--- a/day1/generators/nodejs_generators.pptx
+++ b/day1/generators/nodejs_generators.pptx
@@ -5,7 +5,7 @@
     <p:sldMasterId id="2147483689" r:id="rId1"/>
   </p:sldMasterIdLst>
   <p:notesMasterIdLst>
-    <p:notesMasterId r:id="rId23"/>
+    <p:notesMasterId r:id="rId28"/>
   </p:notesMasterIdLst>
   <p:sldIdLst>
     <p:sldId id="256" r:id="rId2"/>
@@ -13,22 +13,27 @@
     <p:sldId id="284" r:id="rId4"/>
     <p:sldId id="315" r:id="rId5"/>
     <p:sldId id="320" r:id="rId6"/>
-    <p:sldId id="317" r:id="rId7"/>
-    <p:sldId id="319" r:id="rId8"/>
-    <p:sldId id="321" r:id="rId9"/>
-    <p:sldId id="318" r:id="rId10"/>
-    <p:sldId id="316" r:id="rId11"/>
-    <p:sldId id="322" r:id="rId12"/>
-    <p:sldId id="323" r:id="rId13"/>
-    <p:sldId id="326" r:id="rId14"/>
-    <p:sldId id="327" r:id="rId15"/>
-    <p:sldId id="324" r:id="rId16"/>
-    <p:sldId id="328" r:id="rId17"/>
-    <p:sldId id="330" r:id="rId18"/>
-    <p:sldId id="329" r:id="rId19"/>
-    <p:sldId id="331" r:id="rId20"/>
-    <p:sldId id="332" r:id="rId21"/>
-    <p:sldId id="304" r:id="rId22"/>
+    <p:sldId id="333" r:id="rId7"/>
+    <p:sldId id="317" r:id="rId8"/>
+    <p:sldId id="319" r:id="rId9"/>
+    <p:sldId id="321" r:id="rId10"/>
+    <p:sldId id="334" r:id="rId11"/>
+    <p:sldId id="318" r:id="rId12"/>
+    <p:sldId id="335" r:id="rId13"/>
+    <p:sldId id="336" r:id="rId14"/>
+    <p:sldId id="316" r:id="rId15"/>
+    <p:sldId id="337" r:id="rId16"/>
+    <p:sldId id="322" r:id="rId17"/>
+    <p:sldId id="323" r:id="rId18"/>
+    <p:sldId id="326" r:id="rId19"/>
+    <p:sldId id="327" r:id="rId20"/>
+    <p:sldId id="324" r:id="rId21"/>
+    <p:sldId id="328" r:id="rId22"/>
+    <p:sldId id="330" r:id="rId23"/>
+    <p:sldId id="329" r:id="rId24"/>
+    <p:sldId id="331" r:id="rId25"/>
+    <p:sldId id="332" r:id="rId26"/>
+    <p:sldId id="304" r:id="rId27"/>
   </p:sldIdLst>
   <p:sldSz cx="9144000" cy="6858000" type="screen4x3"/>
   <p:notesSz cx="6858000" cy="9144000"/>
@@ -129,7 +134,7 @@
   </p:defaultTextStyle>
   <p:extLst>
     <p:ext uri="{EFAFB233-063F-42B5-8137-9DF3F51BA10A}">
-      <p15:sldGuideLst xmlns="" xmlns:p15="http://schemas.microsoft.com/office/powerpoint/2012/main">
+      <p15:sldGuideLst xmlns:p15="http://schemas.microsoft.com/office/powerpoint/2012/main" xmlns="">
         <p15:guide id="1" orient="horz" pos="2160">
           <p15:clr>
             <a:srgbClr val="A4A3A4"/>
@@ -228,7 +233,7 @@
           <a:p>
             <a:fld id="{1E64356D-F091-4486-B0BB-66BE03FC5D73}" type="datetimeFigureOut">
               <a:rPr lang="en-US" smtClean="0"/>
-              <a:t>4/4/2018</a:t>
+              <a:t>4/21/2018</a:t>
             </a:fld>
             <a:endParaRPr lang="en-US"/>
           </a:p>
@@ -1374,7 +1379,7 @@
             <a:fld id="{1D8BD707-D9CF-40AE-B4C6-C98DA3205C09}" type="datetimeFigureOut">
               <a:rPr lang="en-US" smtClean="0"/>
               <a:pPr/>
-              <a:t>4/4/2018</a:t>
+              <a:t>4/21/2018</a:t>
             </a:fld>
             <a:endParaRPr lang="en-US"/>
           </a:p>
@@ -1627,7 +1632,7 @@
             <a:fld id="{1D8BD707-D9CF-40AE-B4C6-C98DA3205C09}" type="datetimeFigureOut">
               <a:rPr lang="en-US" smtClean="0"/>
               <a:pPr/>
-              <a:t>4/4/2018</a:t>
+              <a:t>4/21/2018</a:t>
             </a:fld>
             <a:endParaRPr lang="en-US"/>
           </a:p>
@@ -1943,7 +1948,7 @@
             <a:fld id="{1D8BD707-D9CF-40AE-B4C6-C98DA3205C09}" type="datetimeFigureOut">
               <a:rPr lang="en-US" smtClean="0"/>
               <a:pPr/>
-              <a:t>4/4/2018</a:t>
+              <a:t>4/21/2018</a:t>
             </a:fld>
             <a:endParaRPr lang="en-US"/>
           </a:p>
@@ -2278,7 +2283,7 @@
             <a:fld id="{1D8BD707-D9CF-40AE-B4C6-C98DA3205C09}" type="datetimeFigureOut">
               <a:rPr lang="en-US" smtClean="0"/>
               <a:pPr/>
-              <a:t>4/4/2018</a:t>
+              <a:t>4/21/2018</a:t>
             </a:fld>
             <a:endParaRPr lang="en-US"/>
           </a:p>
@@ -2594,7 +2599,7 @@
             <a:fld id="{1D8BD707-D9CF-40AE-B4C6-C98DA3205C09}" type="datetimeFigureOut">
               <a:rPr lang="en-US" smtClean="0"/>
               <a:pPr/>
-              <a:t>4/4/2018</a:t>
+              <a:t>4/21/2018</a:t>
             </a:fld>
             <a:endParaRPr lang="en-US"/>
           </a:p>
@@ -2989,7 +2994,7 @@
             <a:fld id="{1D8BD707-D9CF-40AE-B4C6-C98DA3205C09}" type="datetimeFigureOut">
               <a:rPr lang="en-US" smtClean="0"/>
               <a:pPr/>
-              <a:t>4/4/2018</a:t>
+              <a:t>4/21/2018</a:t>
             </a:fld>
             <a:endParaRPr lang="en-US"/>
           </a:p>
@@ -3161,7 +3166,7 @@
             <a:fld id="{1D8BD707-D9CF-40AE-B4C6-C98DA3205C09}" type="datetimeFigureOut">
               <a:rPr lang="en-US" smtClean="0"/>
               <a:pPr/>
-              <a:t>4/4/2018</a:t>
+              <a:t>4/21/2018</a:t>
             </a:fld>
             <a:endParaRPr lang="en-US"/>
           </a:p>
@@ -3343,7 +3348,7 @@
             <a:fld id="{1D8BD707-D9CF-40AE-B4C6-C98DA3205C09}" type="datetimeFigureOut">
               <a:rPr lang="en-US" smtClean="0"/>
               <a:pPr/>
-              <a:t>4/4/2018</a:t>
+              <a:t>4/21/2018</a:t>
             </a:fld>
             <a:endParaRPr lang="en-US"/>
           </a:p>
@@ -3515,7 +3520,7 @@
             <a:fld id="{1D8BD707-D9CF-40AE-B4C6-C98DA3205C09}" type="datetimeFigureOut">
               <a:rPr lang="en-US" smtClean="0"/>
               <a:pPr/>
-              <a:t>4/4/2018</a:t>
+              <a:t>4/21/2018</a:t>
             </a:fld>
             <a:endParaRPr lang="en-US"/>
           </a:p>
@@ -3764,7 +3769,7 @@
             <a:fld id="{1D8BD707-D9CF-40AE-B4C6-C98DA3205C09}" type="datetimeFigureOut">
               <a:rPr lang="en-US" smtClean="0"/>
               <a:pPr/>
-              <a:t>4/4/2018</a:t>
+              <a:t>4/21/2018</a:t>
             </a:fld>
             <a:endParaRPr lang="en-US"/>
           </a:p>
@@ -4063,7 +4068,7 @@
             <a:fld id="{1D8BD707-D9CF-40AE-B4C6-C98DA3205C09}" type="datetimeFigureOut">
               <a:rPr lang="en-US" smtClean="0"/>
               <a:pPr/>
-              <a:t>4/4/2018</a:t>
+              <a:t>4/21/2018</a:t>
             </a:fld>
             <a:endParaRPr lang="en-US"/>
           </a:p>
@@ -4444,7 +4449,7 @@
             <a:fld id="{1D8BD707-D9CF-40AE-B4C6-C98DA3205C09}" type="datetimeFigureOut">
               <a:rPr lang="en-US" smtClean="0"/>
               <a:pPr/>
-              <a:t>4/4/2018</a:t>
+              <a:t>4/21/2018</a:t>
             </a:fld>
             <a:endParaRPr lang="en-US"/>
           </a:p>
@@ -4569,7 +4574,7 @@
             <a:fld id="{1D8BD707-D9CF-40AE-B4C6-C98DA3205C09}" type="datetimeFigureOut">
               <a:rPr lang="en-US" smtClean="0"/>
               <a:pPr/>
-              <a:t>4/4/2018</a:t>
+              <a:t>4/21/2018</a:t>
             </a:fld>
             <a:endParaRPr lang="en-US"/>
           </a:p>
@@ -4666,7 +4671,7 @@
             <a:fld id="{1D8BD707-D9CF-40AE-B4C6-C98DA3205C09}" type="datetimeFigureOut">
               <a:rPr lang="en-US" smtClean="0"/>
               <a:pPr/>
-              <a:t>4/4/2018</a:t>
+              <a:t>4/21/2018</a:t>
             </a:fld>
             <a:endParaRPr lang="en-US"/>
           </a:p>
@@ -4923,7 +4928,7 @@
             <a:fld id="{1D8BD707-D9CF-40AE-B4C6-C98DA3205C09}" type="datetimeFigureOut">
               <a:rPr lang="en-US" smtClean="0"/>
               <a:pPr/>
-              <a:t>4/4/2018</a:t>
+              <a:t>4/21/2018</a:t>
             </a:fld>
             <a:endParaRPr lang="en-US"/>
           </a:p>
@@ -5188,7 +5193,7 @@
             <a:fld id="{1D8BD707-D9CF-40AE-B4C6-C98DA3205C09}" type="datetimeFigureOut">
               <a:rPr lang="en-US" smtClean="0"/>
               <a:pPr/>
-              <a:t>4/4/2018</a:t>
+              <a:t>4/21/2018</a:t>
             </a:fld>
             <a:endParaRPr lang="en-US"/>
           </a:p>
@@ -6004,7 +6009,7 @@
             <a:fld id="{1D8BD707-D9CF-40AE-B4C6-C98DA3205C09}" type="datetimeFigureOut">
               <a:rPr lang="en-US" smtClean="0"/>
               <a:pPr/>
-              <a:t>4/4/2018</a:t>
+              <a:t>4/21/2018</a:t>
             </a:fld>
             <a:endParaRPr lang="en-US"/>
           </a:p>
@@ -6687,6 +6692,328 @@
         </p:nvSpPr>
         <p:spPr>
           <a:xfrm>
+            <a:off x="609599" y="2032000"/>
+            <a:ext cx="6347713" cy="1320800"/>
+          </a:xfrm>
+        </p:spPr>
+        <p:txBody>
+          <a:bodyPr/>
+          <a:lstStyle/>
+          <a:p>
+            <a:r>
+              <a:rPr lang="en-US" dirty="0" smtClean="0"/>
+              <a:t>Lets Run The Code And See What We Get</a:t>
+            </a:r>
+            <a:endParaRPr lang="en-US" dirty="0"/>
+          </a:p>
+        </p:txBody>
+      </p:sp>
+    </p:spTree>
+    <p:extLst>
+      <p:ext uri="{BB962C8B-B14F-4D97-AF65-F5344CB8AC3E}">
+        <p14:creationId xmlns:p14="http://schemas.microsoft.com/office/powerpoint/2010/main" val="4045679318"/>
+      </p:ext>
+    </p:extLst>
+  </p:cSld>
+  <p:clrMapOvr>
+    <a:masterClrMapping/>
+  </p:clrMapOvr>
+</p:sld>
+</file>
+
+<file path=ppt/slides/slide11.xml><?xml version="1.0" encoding="utf-8"?>
+<p:sld xmlns:a="http://schemas.openxmlformats.org/drawingml/2006/main" xmlns:r="http://schemas.openxmlformats.org/officeDocument/2006/relationships" xmlns:p="http://schemas.openxmlformats.org/presentationml/2006/main">
+  <p:cSld>
+    <p:spTree>
+      <p:nvGrpSpPr>
+        <p:cNvPr id="1" name=""/>
+        <p:cNvGrpSpPr/>
+        <p:nvPr/>
+      </p:nvGrpSpPr>
+      <p:grpSpPr>
+        <a:xfrm>
+          <a:off x="0" y="0"/>
+          <a:ext cx="0" cy="0"/>
+          <a:chOff x="0" y="0"/>
+          <a:chExt cx="0" cy="0"/>
+        </a:xfrm>
+      </p:grpSpPr>
+      <p:sp>
+        <p:nvSpPr>
+          <p:cNvPr id="2" name="Title 1"/>
+          <p:cNvSpPr>
+            <a:spLocks noGrp="1"/>
+          </p:cNvSpPr>
+          <p:nvPr>
+            <p:ph type="title"/>
+          </p:nvPr>
+        </p:nvSpPr>
+        <p:spPr/>
+        <p:txBody>
+          <a:bodyPr/>
+          <a:lstStyle/>
+          <a:p>
+            <a:r>
+              <a:rPr lang="en-US" dirty="0" smtClean="0"/>
+              <a:t>More message passing </a:t>
+            </a:r>
+            <a:endParaRPr lang="en-US" dirty="0"/>
+          </a:p>
+        </p:txBody>
+      </p:sp>
+      <p:pic>
+        <p:nvPicPr>
+          <p:cNvPr id="6" name="Picture 5"/>
+          <p:cNvPicPr>
+            <a:picLocks noChangeAspect="1"/>
+          </p:cNvPicPr>
+          <p:nvPr/>
+        </p:nvPicPr>
+        <p:blipFill>
+          <a:blip r:embed="rId2">
+            <a:extLst>
+              <a:ext uri="{28A0092B-C50C-407E-A947-70E740481C1C}">
+                <a14:useLocalDpi xmlns:a14="http://schemas.microsoft.com/office/drawing/2010/main" val="0"/>
+              </a:ext>
+            </a:extLst>
+          </a:blip>
+          <a:stretch>
+            <a:fillRect/>
+          </a:stretch>
+        </p:blipFill>
+        <p:spPr>
+          <a:xfrm>
+            <a:off x="762000" y="1862954"/>
+            <a:ext cx="6226080" cy="3132091"/>
+          </a:xfrm>
+          <a:prstGeom prst="rect">
+            <a:avLst/>
+          </a:prstGeom>
+        </p:spPr>
+      </p:pic>
+    </p:spTree>
+    <p:extLst>
+      <p:ext uri="{BB962C8B-B14F-4D97-AF65-F5344CB8AC3E}">
+        <p14:creationId xmlns:p14="http://schemas.microsoft.com/office/powerpoint/2010/main" val="4071673412"/>
+      </p:ext>
+    </p:extLst>
+  </p:cSld>
+  <p:clrMapOvr>
+    <a:masterClrMapping/>
+  </p:clrMapOvr>
+</p:sld>
+</file>
+
+<file path=ppt/slides/slide12.xml><?xml version="1.0" encoding="utf-8"?>
+<p:sld xmlns:a="http://schemas.openxmlformats.org/drawingml/2006/main" xmlns:r="http://schemas.openxmlformats.org/officeDocument/2006/relationships" xmlns:p="http://schemas.openxmlformats.org/presentationml/2006/main">
+  <p:cSld>
+    <p:spTree>
+      <p:nvGrpSpPr>
+        <p:cNvPr id="1" name=""/>
+        <p:cNvGrpSpPr/>
+        <p:nvPr/>
+      </p:nvGrpSpPr>
+      <p:grpSpPr>
+        <a:xfrm>
+          <a:off x="0" y="0"/>
+          <a:ext cx="0" cy="0"/>
+          <a:chOff x="0" y="0"/>
+          <a:chExt cx="0" cy="0"/>
+        </a:xfrm>
+      </p:grpSpPr>
+      <p:sp>
+        <p:nvSpPr>
+          <p:cNvPr id="2" name="Title 1"/>
+          <p:cNvSpPr>
+            <a:spLocks noGrp="1"/>
+          </p:cNvSpPr>
+          <p:nvPr>
+            <p:ph type="title"/>
+          </p:nvPr>
+        </p:nvSpPr>
+        <p:spPr>
+          <a:xfrm>
+            <a:off x="609599" y="2032000"/>
+            <a:ext cx="6347713" cy="1320800"/>
+          </a:xfrm>
+        </p:spPr>
+        <p:txBody>
+          <a:bodyPr/>
+          <a:lstStyle/>
+          <a:p>
+            <a:r>
+              <a:rPr lang="en-US" dirty="0" smtClean="0"/>
+              <a:t>Lets Run The Code And See What We Get</a:t>
+            </a:r>
+            <a:endParaRPr lang="en-US" dirty="0"/>
+          </a:p>
+        </p:txBody>
+      </p:sp>
+    </p:spTree>
+    <p:extLst>
+      <p:ext uri="{BB962C8B-B14F-4D97-AF65-F5344CB8AC3E}">
+        <p14:creationId xmlns:p14="http://schemas.microsoft.com/office/powerpoint/2010/main" val="3840542027"/>
+      </p:ext>
+    </p:extLst>
+  </p:cSld>
+  <p:clrMapOvr>
+    <a:masterClrMapping/>
+  </p:clrMapOvr>
+</p:sld>
+</file>
+
+<file path=ppt/slides/slide13.xml><?xml version="1.0" encoding="utf-8"?>
+<p:sld xmlns:a="http://schemas.openxmlformats.org/drawingml/2006/main" xmlns:r="http://schemas.openxmlformats.org/officeDocument/2006/relationships" xmlns:p="http://schemas.openxmlformats.org/presentationml/2006/main">
+  <p:cSld>
+    <p:spTree>
+      <p:nvGrpSpPr>
+        <p:cNvPr id="1" name=""/>
+        <p:cNvGrpSpPr/>
+        <p:nvPr/>
+      </p:nvGrpSpPr>
+      <p:grpSpPr>
+        <a:xfrm>
+          <a:off x="0" y="0"/>
+          <a:ext cx="0" cy="0"/>
+          <a:chOff x="0" y="0"/>
+          <a:chExt cx="0" cy="0"/>
+        </a:xfrm>
+      </p:grpSpPr>
+      <p:sp>
+        <p:nvSpPr>
+          <p:cNvPr id="2" name="Title 1"/>
+          <p:cNvSpPr>
+            <a:spLocks noGrp="1"/>
+          </p:cNvSpPr>
+          <p:nvPr>
+            <p:ph type="title"/>
+          </p:nvPr>
+        </p:nvSpPr>
+        <p:spPr/>
+        <p:txBody>
+          <a:bodyPr/>
+          <a:lstStyle/>
+          <a:p>
+            <a:r>
+              <a:rPr lang="en-US" dirty="0" smtClean="0"/>
+              <a:t>Generators As Iterators</a:t>
+            </a:r>
+            <a:endParaRPr lang="en-US" dirty="0"/>
+          </a:p>
+        </p:txBody>
+      </p:sp>
+      <p:sp>
+        <p:nvSpPr>
+          <p:cNvPr id="3" name="Content Placeholder 2"/>
+          <p:cNvSpPr>
+            <a:spLocks noGrp="1"/>
+          </p:cNvSpPr>
+          <p:nvPr>
+            <p:ph idx="1"/>
+          </p:nvPr>
+        </p:nvSpPr>
+        <p:spPr>
+          <a:xfrm>
+            <a:off x="609599" y="1600200"/>
+            <a:ext cx="6347714" cy="3880773"/>
+          </a:xfrm>
+        </p:spPr>
+        <p:txBody>
+          <a:bodyPr/>
+          <a:lstStyle/>
+          <a:p>
+            <a:r>
+              <a:rPr lang="en-US" dirty="0" smtClean="0"/>
+              <a:t>Generators can be treated as iterators</a:t>
+            </a:r>
+          </a:p>
+          <a:p>
+            <a:r>
+              <a:rPr lang="en-US" dirty="0" smtClean="0"/>
+              <a:t>ES6 embrace generators as iterators in syntactic level</a:t>
+            </a:r>
+          </a:p>
+          <a:p>
+            <a:r>
+              <a:rPr lang="en-US" dirty="0" smtClean="0"/>
+              <a:t>You can work with the for … of loop</a:t>
+            </a:r>
+            <a:endParaRPr lang="en-US" dirty="0"/>
+          </a:p>
+        </p:txBody>
+      </p:sp>
+      <p:pic>
+        <p:nvPicPr>
+          <p:cNvPr id="4" name="Picture 3"/>
+          <p:cNvPicPr>
+            <a:picLocks noChangeAspect="1"/>
+          </p:cNvPicPr>
+          <p:nvPr/>
+        </p:nvPicPr>
+        <p:blipFill>
+          <a:blip r:embed="rId2">
+            <a:extLst>
+              <a:ext uri="{28A0092B-C50C-407E-A947-70E740481C1C}">
+                <a14:useLocalDpi xmlns:a14="http://schemas.microsoft.com/office/drawing/2010/main" val="0"/>
+              </a:ext>
+            </a:extLst>
+          </a:blip>
+          <a:stretch>
+            <a:fillRect/>
+          </a:stretch>
+        </p:blipFill>
+        <p:spPr>
+          <a:xfrm>
+            <a:off x="762000" y="3048000"/>
+            <a:ext cx="4084674" cy="3551228"/>
+          </a:xfrm>
+          <a:prstGeom prst="rect">
+            <a:avLst/>
+          </a:prstGeom>
+        </p:spPr>
+      </p:pic>
+    </p:spTree>
+    <p:extLst>
+      <p:ext uri="{BB962C8B-B14F-4D97-AF65-F5344CB8AC3E}">
+        <p14:creationId xmlns:p14="http://schemas.microsoft.com/office/powerpoint/2010/main" val="160598969"/>
+      </p:ext>
+    </p:extLst>
+  </p:cSld>
+  <p:clrMapOvr>
+    <a:masterClrMapping/>
+  </p:clrMapOvr>
+</p:sld>
+</file>
+
+<file path=ppt/slides/slide14.xml><?xml version="1.0" encoding="utf-8"?>
+<p:sld xmlns:a="http://schemas.openxmlformats.org/drawingml/2006/main" xmlns:r="http://schemas.openxmlformats.org/officeDocument/2006/relationships" xmlns:p="http://schemas.openxmlformats.org/presentationml/2006/main">
+  <p:cSld>
+    <p:spTree>
+      <p:nvGrpSpPr>
+        <p:cNvPr id="1" name=""/>
+        <p:cNvGrpSpPr/>
+        <p:nvPr/>
+      </p:nvGrpSpPr>
+      <p:grpSpPr>
+        <a:xfrm>
+          <a:off x="0" y="0"/>
+          <a:ext cx="0" cy="0"/>
+          <a:chOff x="0" y="0"/>
+          <a:chExt cx="0" cy="0"/>
+        </a:xfrm>
+      </p:grpSpPr>
+      <p:sp>
+        <p:nvSpPr>
+          <p:cNvPr id="2" name="Title 1"/>
+          <p:cNvSpPr>
+            <a:spLocks noGrp="1"/>
+          </p:cNvSpPr>
+          <p:nvPr>
+            <p:ph type="title"/>
+          </p:nvPr>
+        </p:nvSpPr>
+        <p:spPr>
+          <a:xfrm>
             <a:off x="457200" y="2667000"/>
             <a:ext cx="8229600" cy="1143000"/>
           </a:xfrm>
@@ -6699,7 +7026,18 @@
           <a:p>
             <a:r>
               <a:rPr lang="en-US" dirty="0" smtClean="0"/>
-              <a:t>Lets simplify some promise code with generators</a:t>
+              <a:t>Lets </a:t>
+            </a:r>
+            <a:r>
+              <a:rPr lang="en-US" dirty="0" smtClean="0"/>
+              <a:t>Run The Code And See What We </a:t>
+            </a:r>
+            <a:br>
+              <a:rPr lang="en-US" dirty="0" smtClean="0"/>
+            </a:br>
+            <a:r>
+              <a:rPr lang="en-US" dirty="0" smtClean="0"/>
+              <a:t>Get</a:t>
             </a:r>
             <a:endParaRPr lang="en-US" dirty="0"/>
           </a:p>
@@ -6718,7 +7056,67 @@
 </p:sld>
 </file>
 
-<file path=ppt/slides/slide11.xml><?xml version="1.0" encoding="utf-8"?>
+<file path=ppt/slides/slide15.xml><?xml version="1.0" encoding="utf-8"?>
+<p:sld xmlns:a="http://schemas.openxmlformats.org/drawingml/2006/main" xmlns:r="http://schemas.openxmlformats.org/officeDocument/2006/relationships" xmlns:p="http://schemas.openxmlformats.org/presentationml/2006/main">
+  <p:cSld>
+    <p:spTree>
+      <p:nvGrpSpPr>
+        <p:cNvPr id="1" name=""/>
+        <p:cNvGrpSpPr/>
+        <p:nvPr/>
+      </p:nvGrpSpPr>
+      <p:grpSpPr>
+        <a:xfrm>
+          <a:off x="0" y="0"/>
+          <a:ext cx="0" cy="0"/>
+          <a:chOff x="0" y="0"/>
+          <a:chExt cx="0" cy="0"/>
+        </a:xfrm>
+      </p:grpSpPr>
+      <p:sp>
+        <p:nvSpPr>
+          <p:cNvPr id="2" name="Title 1"/>
+          <p:cNvSpPr>
+            <a:spLocks noGrp="1"/>
+          </p:cNvSpPr>
+          <p:nvPr>
+            <p:ph type="title"/>
+          </p:nvPr>
+        </p:nvSpPr>
+        <p:spPr>
+          <a:xfrm>
+            <a:off x="457200" y="2667000"/>
+            <a:ext cx="8229600" cy="1143000"/>
+          </a:xfrm>
+        </p:spPr>
+        <p:txBody>
+          <a:bodyPr>
+            <a:normAutofit fontScale="90000"/>
+          </a:bodyPr>
+          <a:lstStyle/>
+          <a:p>
+            <a:r>
+              <a:rPr lang="en-US" dirty="0" smtClean="0"/>
+              <a:t>Lets simplify some promise code with generators</a:t>
+            </a:r>
+            <a:endParaRPr lang="en-US" dirty="0"/>
+          </a:p>
+        </p:txBody>
+      </p:sp>
+    </p:spTree>
+    <p:extLst>
+      <p:ext uri="{BB962C8B-B14F-4D97-AF65-F5344CB8AC3E}">
+        <p14:creationId xmlns:p14="http://schemas.microsoft.com/office/powerpoint/2010/main" val="1262079028"/>
+      </p:ext>
+    </p:extLst>
+  </p:cSld>
+  <p:clrMapOvr>
+    <a:masterClrMapping/>
+  </p:clrMapOvr>
+</p:sld>
+</file>
+
+<file path=ppt/slides/slide16.xml><?xml version="1.0" encoding="utf-8"?>
 <p:sld xmlns:a="http://schemas.openxmlformats.org/drawingml/2006/main" xmlns:r="http://schemas.openxmlformats.org/officeDocument/2006/relationships" xmlns:p="http://schemas.openxmlformats.org/presentationml/2006/main">
   <p:cSld>
     <p:spTree>
@@ -6801,7 +7199,7 @@
 </p:sld>
 </file>
 
-<file path=ppt/slides/slide12.xml><?xml version="1.0" encoding="utf-8"?>
+<file path=ppt/slides/slide17.xml><?xml version="1.0" encoding="utf-8"?>
 <p:sld xmlns:a="http://schemas.openxmlformats.org/drawingml/2006/main" xmlns:r="http://schemas.openxmlformats.org/officeDocument/2006/relationships" xmlns:p="http://schemas.openxmlformats.org/presentationml/2006/main">
   <p:cSld>
     <p:spTree>
@@ -6883,7 +7281,7 @@
 </p:sld>
 </file>
 
-<file path=ppt/slides/slide13.xml><?xml version="1.0" encoding="utf-8"?>
+<file path=ppt/slides/slide18.xml><?xml version="1.0" encoding="utf-8"?>
 <p:sld xmlns:a="http://schemas.openxmlformats.org/drawingml/2006/main" xmlns:r="http://schemas.openxmlformats.org/officeDocument/2006/relationships" xmlns:p="http://schemas.openxmlformats.org/presentationml/2006/main">
   <p:cSld>
     <p:spTree>
@@ -6941,7 +7339,7 @@
 </p:sld>
 </file>
 
-<file path=ppt/slides/slide14.xml><?xml version="1.0" encoding="utf-8"?>
+<file path=ppt/slides/slide19.xml><?xml version="1.0" encoding="utf-8"?>
 <p:sld xmlns:a="http://schemas.openxmlformats.org/drawingml/2006/main" xmlns:r="http://schemas.openxmlformats.org/officeDocument/2006/relationships" xmlns:p="http://schemas.openxmlformats.org/presentationml/2006/main">
   <p:cSld>
     <p:spTree>
@@ -7022,7 +7420,17 @@
           <a:p>
             <a:r>
               <a:rPr lang="en-US" dirty="0" smtClean="0"/>
-              <a:t>try catch !</a:t>
+              <a:t>try catch </a:t>
+            </a:r>
+            <a:r>
+              <a:rPr lang="en-US" dirty="0" smtClean="0"/>
+              <a:t>!</a:t>
+            </a:r>
+          </a:p>
+          <a:p>
+            <a:r>
+              <a:rPr lang="en-US" dirty="0" smtClean="0"/>
+              <a:t>Important – You can handle synchronous and asynchronous exceptions together</a:t>
             </a:r>
             <a:endParaRPr lang="en-US" dirty="0"/>
           </a:p>
@@ -7041,7 +7449,117 @@
 </p:sld>
 </file>
 
-<file path=ppt/slides/slide15.xml><?xml version="1.0" encoding="utf-8"?>
+<file path=ppt/slides/slide2.xml><?xml version="1.0" encoding="utf-8"?>
+<p:sld xmlns:a="http://schemas.openxmlformats.org/drawingml/2006/main" xmlns:r="http://schemas.openxmlformats.org/officeDocument/2006/relationships" xmlns:p="http://schemas.openxmlformats.org/presentationml/2006/main">
+  <p:cSld>
+    <p:spTree>
+      <p:nvGrpSpPr>
+        <p:cNvPr id="1" name=""/>
+        <p:cNvGrpSpPr/>
+        <p:nvPr/>
+      </p:nvGrpSpPr>
+      <p:grpSpPr>
+        <a:xfrm>
+          <a:off x="0" y="0"/>
+          <a:ext cx="0" cy="0"/>
+          <a:chOff x="0" y="0"/>
+          <a:chExt cx="0" cy="0"/>
+        </a:xfrm>
+      </p:grpSpPr>
+      <p:sp>
+        <p:nvSpPr>
+          <p:cNvPr id="2" name="Title 1"/>
+          <p:cNvSpPr>
+            <a:spLocks noGrp="1"/>
+          </p:cNvSpPr>
+          <p:nvPr>
+            <p:ph type="title"/>
+          </p:nvPr>
+        </p:nvSpPr>
+        <p:spPr/>
+        <p:txBody>
+          <a:bodyPr/>
+          <a:lstStyle/>
+          <a:p>
+            <a:r>
+              <a:rPr lang="en-US" dirty="0" smtClean="0"/>
+              <a:t>Agenda</a:t>
+            </a:r>
+            <a:endParaRPr lang="en-US" dirty="0"/>
+          </a:p>
+        </p:txBody>
+      </p:sp>
+      <p:sp>
+        <p:nvSpPr>
+          <p:cNvPr id="3" name="Content Placeholder 2"/>
+          <p:cNvSpPr>
+            <a:spLocks noGrp="1"/>
+          </p:cNvSpPr>
+          <p:nvPr>
+            <p:ph idx="1"/>
+          </p:nvPr>
+        </p:nvSpPr>
+        <p:spPr/>
+        <p:txBody>
+          <a:bodyPr/>
+          <a:lstStyle/>
+          <a:p>
+            <a:r>
+              <a:rPr lang="en-US" dirty="0" smtClean="0"/>
+              <a:t>Introducing generators</a:t>
+            </a:r>
+            <a:endParaRPr lang="he-IL" dirty="0"/>
+          </a:p>
+          <a:p>
+            <a:r>
+              <a:rPr lang="en-US" dirty="0" smtClean="0"/>
+              <a:t>Generators basic functionality </a:t>
+            </a:r>
+          </a:p>
+          <a:p>
+            <a:r>
+              <a:rPr lang="en-US" dirty="0" smtClean="0"/>
+              <a:t>Asynchronous control flow with generators and promises</a:t>
+            </a:r>
+          </a:p>
+          <a:p>
+            <a:r>
+              <a:rPr lang="en-US" dirty="0" smtClean="0"/>
+              <a:t>Error handling in generators</a:t>
+            </a:r>
+          </a:p>
+          <a:p>
+            <a:r>
+              <a:rPr lang="en-US" dirty="0" smtClean="0"/>
+              <a:t>Programming patterns which are good to implement with generators</a:t>
+            </a:r>
+          </a:p>
+          <a:p>
+            <a:endParaRPr lang="en-US" dirty="0"/>
+          </a:p>
+        </p:txBody>
+      </p:sp>
+    </p:spTree>
+    <p:extLst>
+      <p:ext uri="{BB962C8B-B14F-4D97-AF65-F5344CB8AC3E}">
+        <p14:creationId xmlns:p14="http://schemas.microsoft.com/office/powerpoint/2010/main" val="1790054153"/>
+      </p:ext>
+    </p:extLst>
+  </p:cSld>
+  <p:clrMapOvr>
+    <a:masterClrMapping/>
+  </p:clrMapOvr>
+  <p:timing>
+    <p:tnLst>
+      <p:par>
+        <p:cTn id="1" dur="indefinite" restart="never" nodeType="tmRoot"/>
+      </p:par>
+    </p:tnLst>
+  </p:timing>
+</p:sld>
+</file>
+
+<file path=ppt/slides/slide20.xml><?xml version="1.0" encoding="utf-8"?>
 <p:sld xmlns:a="http://schemas.openxmlformats.org/drawingml/2006/main" xmlns:r="http://schemas.openxmlformats.org/officeDocument/2006/relationships" xmlns:p="http://schemas.openxmlformats.org/presentationml/2006/main">
   <p:cSld>
     <p:spTree>
@@ -7124,7 +7642,7 @@
 </p:sld>
 </file>
 
-<file path=ppt/slides/slide16.xml><?xml version="1.0" encoding="utf-8"?>
+<file path=ppt/slides/slide21.xml><?xml version="1.0" encoding="utf-8"?>
 <p:sld xmlns:a="http://schemas.openxmlformats.org/drawingml/2006/main" xmlns:r="http://schemas.openxmlformats.org/officeDocument/2006/relationships" xmlns:p="http://schemas.openxmlformats.org/presentationml/2006/main">
   <p:cSld>
     <p:spTree>
@@ -7212,7 +7730,7 @@
 </p:sld>
 </file>
 
-<file path=ppt/slides/slide17.xml><?xml version="1.0" encoding="utf-8"?>
+<file path=ppt/slides/slide22.xml><?xml version="1.0" encoding="utf-8"?>
 <p:sld xmlns:a="http://schemas.openxmlformats.org/drawingml/2006/main" xmlns:r="http://schemas.openxmlformats.org/officeDocument/2006/relationships" xmlns:p="http://schemas.openxmlformats.org/presentationml/2006/main">
   <p:cSld>
     <p:spTree>
@@ -7270,7 +7788,7 @@
 </p:sld>
 </file>
 
-<file path=ppt/slides/slide18.xml><?xml version="1.0" encoding="utf-8"?>
+<file path=ppt/slides/slide23.xml><?xml version="1.0" encoding="utf-8"?>
 <p:sld xmlns:a="http://schemas.openxmlformats.org/drawingml/2006/main" xmlns:r="http://schemas.openxmlformats.org/officeDocument/2006/relationships" xmlns:p="http://schemas.openxmlformats.org/presentationml/2006/main">
   <p:cSld>
     <p:spTree>
@@ -7381,7 +7899,7 @@
 </p:sld>
 </file>
 
-<file path=ppt/slides/slide19.xml><?xml version="1.0" encoding="utf-8"?>
+<file path=ppt/slides/slide24.xml><?xml version="1.0" encoding="utf-8"?>
 <p:sld xmlns:a="http://schemas.openxmlformats.org/drawingml/2006/main" xmlns:r="http://schemas.openxmlformats.org/officeDocument/2006/relationships" xmlns:p="http://schemas.openxmlformats.org/presentationml/2006/main">
   <p:cSld>
     <p:spTree>
@@ -7487,7 +8005,7 @@
 </p:sld>
 </file>
 
-<file path=ppt/slides/slide2.xml><?xml version="1.0" encoding="utf-8"?>
+<file path=ppt/slides/slide25.xml><?xml version="1.0" encoding="utf-8"?>
 <p:sld xmlns:a="http://schemas.openxmlformats.org/drawingml/2006/main" xmlns:r="http://schemas.openxmlformats.org/officeDocument/2006/relationships" xmlns:p="http://schemas.openxmlformats.org/presentationml/2006/main">
   <p:cSld>
     <p:spTree>
@@ -7521,116 +8039,6 @@
           <a:p>
             <a:r>
               <a:rPr lang="en-US" dirty="0" smtClean="0"/>
-              <a:t>Agenda</a:t>
-            </a:r>
-            <a:endParaRPr lang="en-US" dirty="0"/>
-          </a:p>
-        </p:txBody>
-      </p:sp>
-      <p:sp>
-        <p:nvSpPr>
-          <p:cNvPr id="3" name="Content Placeholder 2"/>
-          <p:cNvSpPr>
-            <a:spLocks noGrp="1"/>
-          </p:cNvSpPr>
-          <p:nvPr>
-            <p:ph idx="1"/>
-          </p:nvPr>
-        </p:nvSpPr>
-        <p:spPr/>
-        <p:txBody>
-          <a:bodyPr/>
-          <a:lstStyle/>
-          <a:p>
-            <a:r>
-              <a:rPr lang="en-US" dirty="0" smtClean="0"/>
-              <a:t>Introducing generators</a:t>
-            </a:r>
-            <a:endParaRPr lang="he-IL" dirty="0"/>
-          </a:p>
-          <a:p>
-            <a:r>
-              <a:rPr lang="en-US" dirty="0" smtClean="0"/>
-              <a:t>Generators basic functionality </a:t>
-            </a:r>
-          </a:p>
-          <a:p>
-            <a:r>
-              <a:rPr lang="en-US" dirty="0" smtClean="0"/>
-              <a:t>Asynchronous control flow with generators and promises</a:t>
-            </a:r>
-          </a:p>
-          <a:p>
-            <a:r>
-              <a:rPr lang="en-US" dirty="0" smtClean="0"/>
-              <a:t>Error handling in generators</a:t>
-            </a:r>
-          </a:p>
-          <a:p>
-            <a:r>
-              <a:rPr lang="en-US" dirty="0" smtClean="0"/>
-              <a:t>Programming patterns which are good to implement with generators</a:t>
-            </a:r>
-          </a:p>
-          <a:p>
-            <a:endParaRPr lang="en-US" dirty="0"/>
-          </a:p>
-        </p:txBody>
-      </p:sp>
-    </p:spTree>
-    <p:extLst>
-      <p:ext uri="{BB962C8B-B14F-4D97-AF65-F5344CB8AC3E}">
-        <p14:creationId xmlns:p14="http://schemas.microsoft.com/office/powerpoint/2010/main" val="1790054153"/>
-      </p:ext>
-    </p:extLst>
-  </p:cSld>
-  <p:clrMapOvr>
-    <a:masterClrMapping/>
-  </p:clrMapOvr>
-  <p:timing>
-    <p:tnLst>
-      <p:par>
-        <p:cTn id="1" dur="indefinite" restart="never" nodeType="tmRoot"/>
-      </p:par>
-    </p:tnLst>
-  </p:timing>
-</p:sld>
-</file>
-
-<file path=ppt/slides/slide20.xml><?xml version="1.0" encoding="utf-8"?>
-<p:sld xmlns:a="http://schemas.openxmlformats.org/drawingml/2006/main" xmlns:r="http://schemas.openxmlformats.org/officeDocument/2006/relationships" xmlns:p="http://schemas.openxmlformats.org/presentationml/2006/main">
-  <p:cSld>
-    <p:spTree>
-      <p:nvGrpSpPr>
-        <p:cNvPr id="1" name=""/>
-        <p:cNvGrpSpPr/>
-        <p:nvPr/>
-      </p:nvGrpSpPr>
-      <p:grpSpPr>
-        <a:xfrm>
-          <a:off x="0" y="0"/>
-          <a:ext cx="0" cy="0"/>
-          <a:chOff x="0" y="0"/>
-          <a:chExt cx="0" cy="0"/>
-        </a:xfrm>
-      </p:grpSpPr>
-      <p:sp>
-        <p:nvSpPr>
-          <p:cNvPr id="2" name="Title 1"/>
-          <p:cNvSpPr>
-            <a:spLocks noGrp="1"/>
-          </p:cNvSpPr>
-          <p:nvPr>
-            <p:ph type="title"/>
-          </p:nvPr>
-        </p:nvSpPr>
-        <p:spPr/>
-        <p:txBody>
-          <a:bodyPr/>
-          <a:lstStyle/>
-          <a:p>
-            <a:r>
-              <a:rPr lang="en-US" dirty="0" smtClean="0"/>
               <a:t>Asynchronous Control Flow</a:t>
             </a:r>
             <a:endParaRPr lang="en-US" dirty="0"/>
@@ -7701,7 +8109,7 @@
 </p:sld>
 </file>
 
-<file path=ppt/slides/slide21.xml><?xml version="1.0" encoding="utf-8"?>
+<file path=ppt/slides/slide26.xml><?xml version="1.0" encoding="utf-8"?>
 <p:sld xmlns:a="http://schemas.openxmlformats.org/drawingml/2006/main" xmlns:r="http://schemas.openxmlformats.org/officeDocument/2006/relationships" xmlns:p="http://schemas.openxmlformats.org/presentationml/2006/main">
   <p:cSld>
     <p:spTree>
@@ -7981,8 +8389,19 @@
           <a:p>
             <a:r>
               <a:rPr lang="en-US" dirty="0" smtClean="0"/>
-              <a:t>Restart the generator with external control using the next operator</a:t>
-            </a:r>
+              <a:t>Restart the generator with external control using the next </a:t>
+            </a:r>
+            <a:r>
+              <a:rPr lang="en-US" dirty="0" smtClean="0"/>
+              <a:t>operator</a:t>
+            </a:r>
+          </a:p>
+          <a:p>
+            <a:r>
+              <a:rPr lang="en-US" dirty="0" smtClean="0"/>
+              <a:t>Yield is not an asynchronous operation. The flow will continue as it is.</a:t>
+            </a:r>
+            <a:endParaRPr lang="en-US" dirty="0" smtClean="0"/>
           </a:p>
           <a:p>
             <a:endParaRPr lang="en-US" dirty="0"/>
@@ -8112,49 +8531,35 @@
             <p:ph type="title"/>
           </p:nvPr>
         </p:nvSpPr>
-        <p:spPr/>
+        <p:spPr>
+          <a:xfrm>
+            <a:off x="609599" y="2489200"/>
+            <a:ext cx="6347713" cy="1320800"/>
+          </a:xfrm>
+        </p:spPr>
         <p:txBody>
           <a:bodyPr/>
           <a:lstStyle/>
           <a:p>
             <a:r>
               <a:rPr lang="en-US" dirty="0" smtClean="0"/>
-              <a:t>Cooperative vs preemptive</a:t>
-            </a:r>
-            <a:endParaRPr lang="en-US" dirty="0"/>
-          </a:p>
-        </p:txBody>
-      </p:sp>
-      <p:sp>
-        <p:nvSpPr>
-          <p:cNvPr id="3" name="Content Placeholder 2"/>
-          <p:cNvSpPr>
-            <a:spLocks noGrp="1"/>
-          </p:cNvSpPr>
-          <p:nvPr>
-            <p:ph idx="1"/>
-          </p:nvPr>
-        </p:nvSpPr>
-        <p:spPr/>
-        <p:txBody>
-          <a:bodyPr/>
-          <a:lstStyle/>
-          <a:p>
+              <a:t>Lets Run The Code And </a:t>
+            </a:r>
+            <a:r>
+              <a:rPr lang="en-US" dirty="0"/>
+              <a:t>S</a:t>
+            </a:r>
             <a:r>
               <a:rPr lang="en-US" dirty="0" smtClean="0"/>
-              <a:t>Cooperative – a process /function itself choose when it will allow an interruption</a:t>
-            </a:r>
-          </a:p>
-          <a:p>
+              <a:t>ee </a:t>
+            </a:r>
+            <a:r>
+              <a:rPr lang="en-US" dirty="0"/>
+              <a:t>T</a:t>
+            </a:r>
             <a:r>
               <a:rPr lang="en-US" dirty="0" smtClean="0"/>
-              <a:t>Preemptive – a process / function can be interrupted against its will.</a:t>
-            </a:r>
-          </a:p>
-          <a:p>
-            <a:r>
-              <a:rPr lang="en-US" dirty="0" smtClean="0"/>
-              <a:t>Generators are cooperative -  meaning the generator decides when it can be interrupted</a:t>
+              <a:t>he Output</a:t>
             </a:r>
             <a:endParaRPr lang="en-US" dirty="0"/>
           </a:p>
@@ -8163,7 +8568,7 @@
     </p:spTree>
     <p:extLst>
       <p:ext uri="{BB962C8B-B14F-4D97-AF65-F5344CB8AC3E}">
-        <p14:creationId xmlns:p14="http://schemas.microsoft.com/office/powerpoint/2010/main" val="2921982850"/>
+        <p14:creationId xmlns:p14="http://schemas.microsoft.com/office/powerpoint/2010/main" val="1392943840"/>
       </p:ext>
     </p:extLst>
   </p:cSld>
@@ -8207,6 +8612,94 @@
           <a:p>
             <a:r>
               <a:rPr lang="en-US" dirty="0" smtClean="0"/>
+              <a:t>Cooperative vs preemptive</a:t>
+            </a:r>
+            <a:endParaRPr lang="en-US" dirty="0"/>
+          </a:p>
+        </p:txBody>
+      </p:sp>
+      <p:sp>
+        <p:nvSpPr>
+          <p:cNvPr id="3" name="Content Placeholder 2"/>
+          <p:cNvSpPr>
+            <a:spLocks noGrp="1"/>
+          </p:cNvSpPr>
+          <p:nvPr>
+            <p:ph idx="1"/>
+          </p:nvPr>
+        </p:nvSpPr>
+        <p:spPr/>
+        <p:txBody>
+          <a:bodyPr/>
+          <a:lstStyle/>
+          <a:p>
+            <a:r>
+              <a:rPr lang="en-US" dirty="0" smtClean="0"/>
+              <a:t>Cooperative – a process /function itself choose when it will allow an interruption</a:t>
+            </a:r>
+          </a:p>
+          <a:p>
+            <a:r>
+              <a:rPr lang="en-US" dirty="0" smtClean="0"/>
+              <a:t>Preemptive – a process / function can be interrupted against its will.</a:t>
+            </a:r>
+          </a:p>
+          <a:p>
+            <a:r>
+              <a:rPr lang="en-US" dirty="0" smtClean="0"/>
+              <a:t>Generators are cooperative -  meaning the generator decides when it can be interrupted</a:t>
+            </a:r>
+            <a:endParaRPr lang="en-US" dirty="0"/>
+          </a:p>
+        </p:txBody>
+      </p:sp>
+    </p:spTree>
+    <p:extLst>
+      <p:ext uri="{BB962C8B-B14F-4D97-AF65-F5344CB8AC3E}">
+        <p14:creationId xmlns:p14="http://schemas.microsoft.com/office/powerpoint/2010/main" val="2921982850"/>
+      </p:ext>
+    </p:extLst>
+  </p:cSld>
+  <p:clrMapOvr>
+    <a:masterClrMapping/>
+  </p:clrMapOvr>
+</p:sld>
+</file>
+
+<file path=ppt/slides/slide8.xml><?xml version="1.0" encoding="utf-8"?>
+<p:sld xmlns:a="http://schemas.openxmlformats.org/drawingml/2006/main" xmlns:r="http://schemas.openxmlformats.org/officeDocument/2006/relationships" xmlns:p="http://schemas.openxmlformats.org/presentationml/2006/main">
+  <p:cSld>
+    <p:spTree>
+      <p:nvGrpSpPr>
+        <p:cNvPr id="1" name=""/>
+        <p:cNvGrpSpPr/>
+        <p:nvPr/>
+      </p:nvGrpSpPr>
+      <p:grpSpPr>
+        <a:xfrm>
+          <a:off x="0" y="0"/>
+          <a:ext cx="0" cy="0"/>
+          <a:chOff x="0" y="0"/>
+          <a:chExt cx="0" cy="0"/>
+        </a:xfrm>
+      </p:grpSpPr>
+      <p:sp>
+        <p:nvSpPr>
+          <p:cNvPr id="2" name="Title 1"/>
+          <p:cNvSpPr>
+            <a:spLocks noGrp="1"/>
+          </p:cNvSpPr>
+          <p:nvPr>
+            <p:ph type="title"/>
+          </p:nvPr>
+        </p:nvSpPr>
+        <p:spPr/>
+        <p:txBody>
+          <a:bodyPr/>
+          <a:lstStyle/>
+          <a:p>
+            <a:r>
+              <a:rPr lang="en-US" dirty="0" smtClean="0"/>
               <a:t>Sending and receiving messages</a:t>
             </a:r>
             <a:endParaRPr lang="en-US" dirty="0"/>
@@ -8261,7 +8754,7 @@
 </p:sld>
 </file>
 
-<file path=ppt/slides/slide8.xml><?xml version="1.0" encoding="utf-8"?>
+<file path=ppt/slides/slide9.xml><?xml version="1.0" encoding="utf-8"?>
 <p:sld xmlns:a="http://schemas.openxmlformats.org/drawingml/2006/main" xmlns:r="http://schemas.openxmlformats.org/officeDocument/2006/relationships" xmlns:p="http://schemas.openxmlformats.org/presentationml/2006/main">
   <p:cSld>
     <p:spTree>
@@ -8335,89 +8828,6 @@
     <p:extLst>
       <p:ext uri="{BB962C8B-B14F-4D97-AF65-F5344CB8AC3E}">
         <p14:creationId xmlns:p14="http://schemas.microsoft.com/office/powerpoint/2010/main" val="928262414"/>
-      </p:ext>
-    </p:extLst>
-  </p:cSld>
-  <p:clrMapOvr>
-    <a:masterClrMapping/>
-  </p:clrMapOvr>
-</p:sld>
-</file>
-
-<file path=ppt/slides/slide9.xml><?xml version="1.0" encoding="utf-8"?>
-<p:sld xmlns:a="http://schemas.openxmlformats.org/drawingml/2006/main" xmlns:r="http://schemas.openxmlformats.org/officeDocument/2006/relationships" xmlns:p="http://schemas.openxmlformats.org/presentationml/2006/main">
-  <p:cSld>
-    <p:spTree>
-      <p:nvGrpSpPr>
-        <p:cNvPr id="1" name=""/>
-        <p:cNvGrpSpPr/>
-        <p:nvPr/>
-      </p:nvGrpSpPr>
-      <p:grpSpPr>
-        <a:xfrm>
-          <a:off x="0" y="0"/>
-          <a:ext cx="0" cy="0"/>
-          <a:chOff x="0" y="0"/>
-          <a:chExt cx="0" cy="0"/>
-        </a:xfrm>
-      </p:grpSpPr>
-      <p:sp>
-        <p:nvSpPr>
-          <p:cNvPr id="2" name="Title 1"/>
-          <p:cNvSpPr>
-            <a:spLocks noGrp="1"/>
-          </p:cNvSpPr>
-          <p:nvPr>
-            <p:ph type="title"/>
-          </p:nvPr>
-        </p:nvSpPr>
-        <p:spPr/>
-        <p:txBody>
-          <a:bodyPr/>
-          <a:lstStyle/>
-          <a:p>
-            <a:r>
-              <a:rPr lang="en-US" dirty="0" smtClean="0"/>
-              <a:t>More message passing </a:t>
-            </a:r>
-            <a:endParaRPr lang="en-US" dirty="0"/>
-          </a:p>
-        </p:txBody>
-      </p:sp>
-      <p:pic>
-        <p:nvPicPr>
-          <p:cNvPr id="6" name="Picture 5"/>
-          <p:cNvPicPr>
-            <a:picLocks noChangeAspect="1"/>
-          </p:cNvPicPr>
-          <p:nvPr/>
-        </p:nvPicPr>
-        <p:blipFill>
-          <a:blip r:embed="rId2">
-            <a:extLst>
-              <a:ext uri="{28A0092B-C50C-407E-A947-70E740481C1C}">
-                <a14:useLocalDpi xmlns:a14="http://schemas.microsoft.com/office/drawing/2010/main" val="0"/>
-              </a:ext>
-            </a:extLst>
-          </a:blip>
-          <a:stretch>
-            <a:fillRect/>
-          </a:stretch>
-        </p:blipFill>
-        <p:spPr>
-          <a:xfrm>
-            <a:off x="762000" y="1862954"/>
-            <a:ext cx="6226080" cy="3132091"/>
-          </a:xfrm>
-          <a:prstGeom prst="rect">
-            <a:avLst/>
-          </a:prstGeom>
-        </p:spPr>
-      </p:pic>
-    </p:spTree>
-    <p:extLst>
-      <p:ext uri="{BB962C8B-B14F-4D97-AF65-F5344CB8AC3E}">
-        <p14:creationId xmlns:p14="http://schemas.microsoft.com/office/powerpoint/2010/main" val="4071673412"/>
       </p:ext>
     </p:extLst>
   </p:cSld>
@@ -8678,7 +9088,7 @@
   <a:extraClrSchemeLst/>
   <a:extLst>
     <a:ext uri="{05A4C25C-085E-4340-85A3-A5531E510DB2}">
-      <thm15:themeFamily xmlns="" xmlns:thm15="http://schemas.microsoft.com/office/thememl/2012/main" name="Facet" id="{C0C680CD-088A-49FC-A102-D699147F32B2}" vid="{CFBC31BA-B70F-4F30-BCAA-4F3011E16C4D}"/>
+      <thm15:themeFamily xmlns:thm15="http://schemas.microsoft.com/office/thememl/2012/main" xmlns="" name="Facet" id="{C0C680CD-088A-49FC-A102-D699147F32B2}" vid="{CFBC31BA-B70F-4F30-BCAA-4F3011E16C4D}"/>
     </a:ext>
   </a:extLst>
 </a:theme>
